--- a/Generating Adversarial Examples using Parallel Genetic Algorithm.pptx
+++ b/Generating Adversarial Examples using Parallel Genetic Algorithm.pptx
@@ -117,6 +117,11 @@
       </a:defRPr>
     </a:lvl9pPr>
   </p:defaultTextStyle>
+  <p:extLst>
+    <p:ext uri="{EFAFB233-063F-42B5-8137-9DF3F51BA10A}">
+      <p15:sldGuideLst xmlns:p15="http://schemas.microsoft.com/office/powerpoint/2012/main"/>
+    </p:ext>
+  </p:extLst>
 </p:presentation>
 </file>
 
@@ -279,7 +284,7 @@
           <a:p>
             <a:fld id="{036D2FE7-0CDB-449C-BA86-456B452CABD2}" type="datetimeFigureOut">
               <a:rPr lang="en-US" smtClean="0"/>
-              <a:t>4/25/2021</a:t>
+              <a:t>4/26/2021</a:t>
             </a:fld>
             <a:endParaRPr lang="en-US"/>
           </a:p>
@@ -477,7 +482,7 @@
           <a:p>
             <a:fld id="{036D2FE7-0CDB-449C-BA86-456B452CABD2}" type="datetimeFigureOut">
               <a:rPr lang="en-US" smtClean="0"/>
-              <a:t>4/25/2021</a:t>
+              <a:t>4/26/2021</a:t>
             </a:fld>
             <a:endParaRPr lang="en-US"/>
           </a:p>
@@ -685,7 +690,7 @@
           <a:p>
             <a:fld id="{036D2FE7-0CDB-449C-BA86-456B452CABD2}" type="datetimeFigureOut">
               <a:rPr lang="en-US" smtClean="0"/>
-              <a:t>4/25/2021</a:t>
+              <a:t>4/26/2021</a:t>
             </a:fld>
             <a:endParaRPr lang="en-US"/>
           </a:p>
@@ -883,7 +888,7 @@
           <a:p>
             <a:fld id="{036D2FE7-0CDB-449C-BA86-456B452CABD2}" type="datetimeFigureOut">
               <a:rPr lang="en-US" smtClean="0"/>
-              <a:t>4/25/2021</a:t>
+              <a:t>4/26/2021</a:t>
             </a:fld>
             <a:endParaRPr lang="en-US"/>
           </a:p>
@@ -1158,7 +1163,7 @@
           <a:p>
             <a:fld id="{036D2FE7-0CDB-449C-BA86-456B452CABD2}" type="datetimeFigureOut">
               <a:rPr lang="en-US" smtClean="0"/>
-              <a:t>4/25/2021</a:t>
+              <a:t>4/26/2021</a:t>
             </a:fld>
             <a:endParaRPr lang="en-US"/>
           </a:p>
@@ -1423,7 +1428,7 @@
           <a:p>
             <a:fld id="{036D2FE7-0CDB-449C-BA86-456B452CABD2}" type="datetimeFigureOut">
               <a:rPr lang="en-US" smtClean="0"/>
-              <a:t>4/25/2021</a:t>
+              <a:t>4/26/2021</a:t>
             </a:fld>
             <a:endParaRPr lang="en-US"/>
           </a:p>
@@ -1835,7 +1840,7 @@
           <a:p>
             <a:fld id="{036D2FE7-0CDB-449C-BA86-456B452CABD2}" type="datetimeFigureOut">
               <a:rPr lang="en-US" smtClean="0"/>
-              <a:t>4/25/2021</a:t>
+              <a:t>4/26/2021</a:t>
             </a:fld>
             <a:endParaRPr lang="en-US"/>
           </a:p>
@@ -1976,7 +1981,7 @@
           <a:p>
             <a:fld id="{036D2FE7-0CDB-449C-BA86-456B452CABD2}" type="datetimeFigureOut">
               <a:rPr lang="en-US" smtClean="0"/>
-              <a:t>4/25/2021</a:t>
+              <a:t>4/26/2021</a:t>
             </a:fld>
             <a:endParaRPr lang="en-US"/>
           </a:p>
@@ -2089,7 +2094,7 @@
           <a:p>
             <a:fld id="{036D2FE7-0CDB-449C-BA86-456B452CABD2}" type="datetimeFigureOut">
               <a:rPr lang="en-US" smtClean="0"/>
-              <a:t>4/25/2021</a:t>
+              <a:t>4/26/2021</a:t>
             </a:fld>
             <a:endParaRPr lang="en-US"/>
           </a:p>
@@ -2400,7 +2405,7 @@
           <a:p>
             <a:fld id="{036D2FE7-0CDB-449C-BA86-456B452CABD2}" type="datetimeFigureOut">
               <a:rPr lang="en-US" smtClean="0"/>
-              <a:t>4/25/2021</a:t>
+              <a:t>4/26/2021</a:t>
             </a:fld>
             <a:endParaRPr lang="en-US"/>
           </a:p>
@@ -2688,7 +2693,7 @@
           <a:p>
             <a:fld id="{036D2FE7-0CDB-449C-BA86-456B452CABD2}" type="datetimeFigureOut">
               <a:rPr lang="en-US" smtClean="0"/>
-              <a:t>4/25/2021</a:t>
+              <a:t>4/26/2021</a:t>
             </a:fld>
             <a:endParaRPr lang="en-US"/>
           </a:p>
@@ -2929,7 +2934,7 @@
           <a:p>
             <a:fld id="{036D2FE7-0CDB-449C-BA86-456B452CABD2}" type="datetimeFigureOut">
               <a:rPr lang="en-US" smtClean="0"/>
-              <a:t>4/25/2021</a:t>
+              <a:t>4/26/2021</a:t>
             </a:fld>
             <a:endParaRPr lang="en-US"/>
           </a:p>
@@ -3538,8 +3543,38 @@
         </p:blipFill>
         <p:spPr>
           <a:xfrm>
-            <a:off x="838200" y="2428340"/>
+            <a:off x="838200" y="1509712"/>
             <a:ext cx="5476875" cy="2514600"/>
+          </a:xfrm>
+          <a:prstGeom prst="rect">
+            <a:avLst/>
+          </a:prstGeom>
+        </p:spPr>
+      </p:pic>
+      <p:pic>
+        <p:nvPicPr>
+          <p:cNvPr id="4" name="Picture 3">
+            <a:extLst>
+              <a:ext uri="{FF2B5EF4-FFF2-40B4-BE49-F238E27FC236}">
+                <a16:creationId xmlns:a16="http://schemas.microsoft.com/office/drawing/2014/main" id="{68FA5558-D330-48C5-B7D2-DDEA85F480BB}"/>
+              </a:ext>
+            </a:extLst>
+          </p:cNvPr>
+          <p:cNvPicPr>
+            <a:picLocks noChangeAspect="1"/>
+          </p:cNvPicPr>
+          <p:nvPr/>
+        </p:nvPicPr>
+        <p:blipFill>
+          <a:blip r:embed="rId4"/>
+          <a:stretch>
+            <a:fillRect/>
+          </a:stretch>
+        </p:blipFill>
+        <p:spPr>
+          <a:xfrm>
+            <a:off x="838199" y="4024312"/>
+            <a:ext cx="5476875" cy="2829485"/>
           </a:xfrm>
           <a:prstGeom prst="rect">
             <a:avLst/>
@@ -4587,7 +4622,7 @@
 </file>
 
 <file path=ppt/slides/slide4.xml><?xml version="1.0" encoding="utf-8"?>
-<p:sld xmlns:a="http://schemas.openxmlformats.org/drawingml/2006/main" xmlns:r="http://schemas.openxmlformats.org/officeDocument/2006/relationships" xmlns:p="http://schemas.openxmlformats.org/presentationml/2006/main">
+<p:sld xmlns:a="http://schemas.openxmlformats.org/drawingml/2006/main" xmlns:r="http://schemas.openxmlformats.org/officeDocument/2006/relationships" xmlns:p="http://schemas.openxmlformats.org/presentationml/2006/main" show="0">
   <p:cSld>
     <p:spTree>
       <p:nvGrpSpPr>
@@ -5180,10 +5215,10 @@
       </p:sp>
       <p:pic>
         <p:nvPicPr>
-          <p:cNvPr id="7" name="Picture 6">
-            <a:extLst>
-              <a:ext uri="{FF2B5EF4-FFF2-40B4-BE49-F238E27FC236}">
-                <a16:creationId xmlns:a16="http://schemas.microsoft.com/office/drawing/2014/main" id="{E5079EE0-EA5B-47EB-83D5-0302FF471155}"/>
+          <p:cNvPr id="8" name="Picture 7">
+            <a:extLst>
+              <a:ext uri="{FF2B5EF4-FFF2-40B4-BE49-F238E27FC236}">
+                <a16:creationId xmlns:a16="http://schemas.microsoft.com/office/drawing/2014/main" id="{85A93248-A42A-440D-92FB-40D6D45EA04C}"/>
               </a:ext>
             </a:extLst>
           </p:cNvPr>
@@ -5200,8 +5235,8 @@
         </p:blipFill>
         <p:spPr>
           <a:xfrm>
-            <a:off x="1922106" y="199751"/>
-            <a:ext cx="4500782" cy="6658249"/>
+            <a:off x="6399283" y="1144588"/>
+            <a:ext cx="4978123" cy="4934740"/>
           </a:xfrm>
           <a:prstGeom prst="rect">
             <a:avLst/>
@@ -5210,10 +5245,10 @@
       </p:pic>
       <p:pic>
         <p:nvPicPr>
-          <p:cNvPr id="8" name="Picture 7">
-            <a:extLst>
-              <a:ext uri="{FF2B5EF4-FFF2-40B4-BE49-F238E27FC236}">
-                <a16:creationId xmlns:a16="http://schemas.microsoft.com/office/drawing/2014/main" id="{85A93248-A42A-440D-92FB-40D6D45EA04C}"/>
+          <p:cNvPr id="4" name="Picture 3">
+            <a:extLst>
+              <a:ext uri="{FF2B5EF4-FFF2-40B4-BE49-F238E27FC236}">
+                <a16:creationId xmlns:a16="http://schemas.microsoft.com/office/drawing/2014/main" id="{211EF972-3538-4609-89F1-0E2A5D7F9E58}"/>
               </a:ext>
             </a:extLst>
           </p:cNvPr>
@@ -5230,8 +5265,8 @@
         </p:blipFill>
         <p:spPr>
           <a:xfrm>
-            <a:off x="6399283" y="1144588"/>
-            <a:ext cx="4978123" cy="4934740"/>
+            <a:off x="1170806" y="194406"/>
+            <a:ext cx="4345316" cy="6663594"/>
           </a:xfrm>
           <a:prstGeom prst="rect">
             <a:avLst/>
